--- a/PowerPoint - Raspberry Drive.pptx
+++ b/PowerPoint - Raspberry Drive.pptx
@@ -10,10 +10,17 @@
     <p:sldId id="263" r:id="rId4"/>
     <p:sldId id="265" r:id="rId5"/>
     <p:sldId id="264" r:id="rId6"/>
-    <p:sldId id="266" r:id="rId7"/>
-    <p:sldId id="267" r:id="rId8"/>
-    <p:sldId id="268" r:id="rId9"/>
+    <p:sldId id="270" r:id="rId7"/>
+    <p:sldId id="276" r:id="rId8"/>
+    <p:sldId id="266" r:id="rId9"/>
     <p:sldId id="269" r:id="rId10"/>
+    <p:sldId id="268" r:id="rId11"/>
+    <p:sldId id="267" r:id="rId12"/>
+    <p:sldId id="271" r:id="rId13"/>
+    <p:sldId id="272" r:id="rId14"/>
+    <p:sldId id="273" r:id="rId15"/>
+    <p:sldId id="274" r:id="rId16"/>
+    <p:sldId id="275" r:id="rId17"/>
   </p:sldIdLst>
   <p:sldSz cx="9144000" cy="6858000" type="screen4x3"/>
   <p:notesSz cx="6858000" cy="9144000"/>
@@ -3174,6 +3181,622 @@
 </p:sld>
 </file>
 
+<file path=ppt/slides/slide10.xml><?xml version="1.0" encoding="utf-8"?>
+<p:sld xmlns:a="http://schemas.openxmlformats.org/drawingml/2006/main" xmlns:r="http://schemas.openxmlformats.org/officeDocument/2006/relationships" xmlns:p="http://schemas.openxmlformats.org/presentationml/2006/main">
+  <p:cSld>
+    <p:bg>
+      <p:bgPr>
+        <a:solidFill>
+          <a:srgbClr val="20FBEE"/>
+        </a:solidFill>
+        <a:effectLst/>
+      </p:bgPr>
+    </p:bg>
+    <p:spTree>
+      <p:nvGrpSpPr>
+        <p:cNvPr id="1" name=""/>
+        <p:cNvGrpSpPr/>
+        <p:nvPr/>
+      </p:nvGrpSpPr>
+      <p:grpSpPr>
+        <a:xfrm>
+          <a:off x="0" y="0"/>
+          <a:ext cx="0" cy="0"/>
+          <a:chOff x="0" y="0"/>
+          <a:chExt cx="0" cy="0"/>
+        </a:xfrm>
+      </p:grpSpPr>
+      <p:sp>
+        <p:nvSpPr>
+          <p:cNvPr id="2" name="Title 1"/>
+          <p:cNvSpPr>
+            <a:spLocks noGrp="1"/>
+          </p:cNvSpPr>
+          <p:nvPr>
+            <p:ph type="title"/>
+          </p:nvPr>
+        </p:nvSpPr>
+        <p:spPr/>
+        <p:txBody>
+          <a:bodyPr>
+            <a:normAutofit/>
+          </a:bodyPr>
+          <a:lstStyle/>
+          <a:p>
+            <a:r>
+              <a:rPr lang="en-US" sz="5400" dirty="0" smtClean="0"/>
+              <a:t>Image Recognition</a:t>
+            </a:r>
+            <a:endParaRPr lang="en-US" sz="5400" dirty="0"/>
+          </a:p>
+        </p:txBody>
+      </p:sp>
+      <p:sp>
+        <p:nvSpPr>
+          <p:cNvPr id="3" name="Subtitle 2"/>
+          <p:cNvSpPr>
+            <a:spLocks noGrp="1"/>
+          </p:cNvSpPr>
+          <p:nvPr>
+            <p:ph idx="1"/>
+          </p:nvPr>
+        </p:nvSpPr>
+        <p:spPr/>
+        <p:txBody>
+          <a:bodyPr>
+            <a:noAutofit/>
+          </a:bodyPr>
+          <a:lstStyle/>
+          <a:p>
+            <a:r>
+              <a:rPr lang="en-US" sz="6600" dirty="0" smtClean="0"/>
+              <a:t>Looking for shit </a:t>
+            </a:r>
+            <a:r>
+              <a:rPr lang="mr-IN" sz="6600" dirty="0" smtClean="0"/>
+              <a:t>–</a:t>
+            </a:r>
+            <a:r>
+              <a:rPr lang="en-US" sz="6600" dirty="0" smtClean="0"/>
+              <a:t> how it works</a:t>
+            </a:r>
+            <a:endParaRPr lang="en-US" sz="6600" dirty="0"/>
+          </a:p>
+        </p:txBody>
+      </p:sp>
+    </p:spTree>
+    <p:extLst>
+      <p:ext uri="{BB962C8B-B14F-4D97-AF65-F5344CB8AC3E}">
+        <p14:creationId xmlns:p14="http://schemas.microsoft.com/office/powerpoint/2010/main" val="3959374068"/>
+      </p:ext>
+    </p:extLst>
+  </p:cSld>
+  <p:clrMapOvr>
+    <a:masterClrMapping/>
+  </p:clrMapOvr>
+</p:sld>
+</file>
+
+<file path=ppt/slides/slide11.xml><?xml version="1.0" encoding="utf-8"?>
+<p:sld xmlns:a="http://schemas.openxmlformats.org/drawingml/2006/main" xmlns:r="http://schemas.openxmlformats.org/officeDocument/2006/relationships" xmlns:p="http://schemas.openxmlformats.org/presentationml/2006/main">
+  <p:cSld>
+    <p:bg>
+      <p:bgPr>
+        <a:solidFill>
+          <a:srgbClr val="CC00F8"/>
+        </a:solidFill>
+        <a:effectLst/>
+      </p:bgPr>
+    </p:bg>
+    <p:spTree>
+      <p:nvGrpSpPr>
+        <p:cNvPr id="1" name=""/>
+        <p:cNvGrpSpPr/>
+        <p:nvPr/>
+      </p:nvGrpSpPr>
+      <p:grpSpPr>
+        <a:xfrm>
+          <a:off x="0" y="0"/>
+          <a:ext cx="0" cy="0"/>
+          <a:chOff x="0" y="0"/>
+          <a:chExt cx="0" cy="0"/>
+        </a:xfrm>
+      </p:grpSpPr>
+      <p:sp>
+        <p:nvSpPr>
+          <p:cNvPr id="2" name="Title 1"/>
+          <p:cNvSpPr>
+            <a:spLocks noGrp="1"/>
+          </p:cNvSpPr>
+          <p:nvPr>
+            <p:ph type="title"/>
+          </p:nvPr>
+        </p:nvSpPr>
+        <p:spPr/>
+        <p:txBody>
+          <a:bodyPr>
+            <a:normAutofit/>
+          </a:bodyPr>
+          <a:lstStyle/>
+          <a:p>
+            <a:r>
+              <a:rPr lang="en-US" sz="5400" dirty="0" smtClean="0"/>
+              <a:t>Driving Software</a:t>
+            </a:r>
+            <a:endParaRPr lang="en-US" sz="5400" dirty="0"/>
+          </a:p>
+        </p:txBody>
+      </p:sp>
+      <p:sp>
+        <p:nvSpPr>
+          <p:cNvPr id="3" name="Subtitle 2"/>
+          <p:cNvSpPr>
+            <a:spLocks noGrp="1"/>
+          </p:cNvSpPr>
+          <p:nvPr>
+            <p:ph idx="1"/>
+          </p:nvPr>
+        </p:nvSpPr>
+        <p:spPr/>
+        <p:txBody>
+          <a:bodyPr>
+            <a:noAutofit/>
+          </a:bodyPr>
+          <a:lstStyle/>
+          <a:p>
+            <a:r>
+              <a:rPr lang="en-US" sz="6600" dirty="0" smtClean="0"/>
+              <a:t>Stop at line</a:t>
+            </a:r>
+            <a:endParaRPr lang="en-US" sz="6600" dirty="0"/>
+          </a:p>
+        </p:txBody>
+      </p:sp>
+    </p:spTree>
+    <p:extLst>
+      <p:ext uri="{BB962C8B-B14F-4D97-AF65-F5344CB8AC3E}">
+        <p14:creationId xmlns:p14="http://schemas.microsoft.com/office/powerpoint/2010/main" val="3478162560"/>
+      </p:ext>
+    </p:extLst>
+  </p:cSld>
+  <p:clrMapOvr>
+    <a:masterClrMapping/>
+  </p:clrMapOvr>
+</p:sld>
+</file>
+
+<file path=ppt/slides/slide12.xml><?xml version="1.0" encoding="utf-8"?>
+<p:sld xmlns:a="http://schemas.openxmlformats.org/drawingml/2006/main" xmlns:r="http://schemas.openxmlformats.org/officeDocument/2006/relationships" xmlns:p="http://schemas.openxmlformats.org/presentationml/2006/main">
+  <p:cSld>
+    <p:bg>
+      <p:bgPr>
+        <a:solidFill>
+          <a:srgbClr val="F8F50A"/>
+        </a:solidFill>
+        <a:effectLst/>
+      </p:bgPr>
+    </p:bg>
+    <p:spTree>
+      <p:nvGrpSpPr>
+        <p:cNvPr id="1" name=""/>
+        <p:cNvGrpSpPr/>
+        <p:nvPr/>
+      </p:nvGrpSpPr>
+      <p:grpSpPr>
+        <a:xfrm>
+          <a:off x="0" y="0"/>
+          <a:ext cx="0" cy="0"/>
+          <a:chOff x="0" y="0"/>
+          <a:chExt cx="0" cy="0"/>
+        </a:xfrm>
+      </p:grpSpPr>
+      <p:sp>
+        <p:nvSpPr>
+          <p:cNvPr id="2" name="Title 1"/>
+          <p:cNvSpPr>
+            <a:spLocks noGrp="1"/>
+          </p:cNvSpPr>
+          <p:nvPr>
+            <p:ph type="title"/>
+          </p:nvPr>
+        </p:nvSpPr>
+        <p:spPr/>
+        <p:txBody>
+          <a:bodyPr>
+            <a:normAutofit/>
+          </a:bodyPr>
+          <a:lstStyle/>
+          <a:p>
+            <a:r>
+              <a:rPr lang="en-US" sz="5400" dirty="0" smtClean="0"/>
+              <a:t>Driving Software</a:t>
+            </a:r>
+            <a:endParaRPr lang="en-US" sz="5400" dirty="0"/>
+          </a:p>
+        </p:txBody>
+      </p:sp>
+      <p:sp>
+        <p:nvSpPr>
+          <p:cNvPr id="3" name="Subtitle 2"/>
+          <p:cNvSpPr>
+            <a:spLocks noGrp="1"/>
+          </p:cNvSpPr>
+          <p:nvPr>
+            <p:ph idx="1"/>
+          </p:nvPr>
+        </p:nvSpPr>
+        <p:spPr/>
+        <p:txBody>
+          <a:bodyPr>
+            <a:noAutofit/>
+          </a:bodyPr>
+          <a:lstStyle/>
+          <a:p>
+            <a:r>
+              <a:rPr lang="en-US" sz="6600" dirty="0" smtClean="0"/>
+              <a:t>Diagonal lines</a:t>
+            </a:r>
+            <a:endParaRPr lang="en-US" sz="6600" dirty="0"/>
+          </a:p>
+        </p:txBody>
+      </p:sp>
+    </p:spTree>
+    <p:extLst>
+      <p:ext uri="{BB962C8B-B14F-4D97-AF65-F5344CB8AC3E}">
+        <p14:creationId xmlns:p14="http://schemas.microsoft.com/office/powerpoint/2010/main" val="1163885331"/>
+      </p:ext>
+    </p:extLst>
+  </p:cSld>
+  <p:clrMapOvr>
+    <a:masterClrMapping/>
+  </p:clrMapOvr>
+</p:sld>
+</file>
+
+<file path=ppt/slides/slide13.xml><?xml version="1.0" encoding="utf-8"?>
+<p:sld xmlns:a="http://schemas.openxmlformats.org/drawingml/2006/main" xmlns:r="http://schemas.openxmlformats.org/officeDocument/2006/relationships" xmlns:p="http://schemas.openxmlformats.org/presentationml/2006/main">
+  <p:cSld>
+    <p:bg>
+      <p:bgPr>
+        <a:solidFill>
+          <a:srgbClr val="20FBEE"/>
+        </a:solidFill>
+        <a:effectLst/>
+      </p:bgPr>
+    </p:bg>
+    <p:spTree>
+      <p:nvGrpSpPr>
+        <p:cNvPr id="1" name=""/>
+        <p:cNvGrpSpPr/>
+        <p:nvPr/>
+      </p:nvGrpSpPr>
+      <p:grpSpPr>
+        <a:xfrm>
+          <a:off x="0" y="0"/>
+          <a:ext cx="0" cy="0"/>
+          <a:chOff x="0" y="0"/>
+          <a:chExt cx="0" cy="0"/>
+        </a:xfrm>
+      </p:grpSpPr>
+      <p:sp>
+        <p:nvSpPr>
+          <p:cNvPr id="2" name="Title 1"/>
+          <p:cNvSpPr>
+            <a:spLocks noGrp="1"/>
+          </p:cNvSpPr>
+          <p:nvPr>
+            <p:ph type="title"/>
+          </p:nvPr>
+        </p:nvSpPr>
+        <p:spPr/>
+        <p:txBody>
+          <a:bodyPr>
+            <a:normAutofit/>
+          </a:bodyPr>
+          <a:lstStyle/>
+          <a:p>
+            <a:r>
+              <a:rPr lang="en-US" sz="5400" dirty="0" smtClean="0"/>
+              <a:t>Driving Software</a:t>
+            </a:r>
+            <a:endParaRPr lang="en-US" sz="5400" dirty="0"/>
+          </a:p>
+        </p:txBody>
+      </p:sp>
+      <p:sp>
+        <p:nvSpPr>
+          <p:cNvPr id="3" name="Subtitle 2"/>
+          <p:cNvSpPr>
+            <a:spLocks noGrp="1"/>
+          </p:cNvSpPr>
+          <p:nvPr>
+            <p:ph idx="1"/>
+          </p:nvPr>
+        </p:nvSpPr>
+        <p:spPr/>
+        <p:txBody>
+          <a:bodyPr>
+            <a:noAutofit/>
+          </a:bodyPr>
+          <a:lstStyle/>
+          <a:p>
+            <a:r>
+              <a:rPr lang="en-US" sz="6600" dirty="0" smtClean="0"/>
+              <a:t>Adjusting at turns</a:t>
+            </a:r>
+            <a:endParaRPr lang="en-US" sz="6600" dirty="0"/>
+          </a:p>
+        </p:txBody>
+      </p:sp>
+    </p:spTree>
+    <p:extLst>
+      <p:ext uri="{BB962C8B-B14F-4D97-AF65-F5344CB8AC3E}">
+        <p14:creationId xmlns:p14="http://schemas.microsoft.com/office/powerpoint/2010/main" val="3200903774"/>
+      </p:ext>
+    </p:extLst>
+  </p:cSld>
+  <p:clrMapOvr>
+    <a:masterClrMapping/>
+  </p:clrMapOvr>
+</p:sld>
+</file>
+
+<file path=ppt/slides/slide14.xml><?xml version="1.0" encoding="utf-8"?>
+<p:sld xmlns:a="http://schemas.openxmlformats.org/drawingml/2006/main" xmlns:r="http://schemas.openxmlformats.org/officeDocument/2006/relationships" xmlns:p="http://schemas.openxmlformats.org/presentationml/2006/main">
+  <p:cSld>
+    <p:bg>
+      <p:bgPr>
+        <a:solidFill>
+          <a:srgbClr val="20FCEB"/>
+        </a:solidFill>
+        <a:effectLst/>
+      </p:bgPr>
+    </p:bg>
+    <p:spTree>
+      <p:nvGrpSpPr>
+        <p:cNvPr id="1" name=""/>
+        <p:cNvGrpSpPr/>
+        <p:nvPr/>
+      </p:nvGrpSpPr>
+      <p:grpSpPr>
+        <a:xfrm>
+          <a:off x="0" y="0"/>
+          <a:ext cx="0" cy="0"/>
+          <a:chOff x="0" y="0"/>
+          <a:chExt cx="0" cy="0"/>
+        </a:xfrm>
+      </p:grpSpPr>
+      <p:sp>
+        <p:nvSpPr>
+          <p:cNvPr id="2" name="Title 1"/>
+          <p:cNvSpPr>
+            <a:spLocks noGrp="1"/>
+          </p:cNvSpPr>
+          <p:nvPr>
+            <p:ph type="title"/>
+          </p:nvPr>
+        </p:nvSpPr>
+        <p:spPr/>
+        <p:txBody>
+          <a:bodyPr>
+            <a:normAutofit/>
+          </a:bodyPr>
+          <a:lstStyle/>
+          <a:p>
+            <a:r>
+              <a:rPr lang="en-US" sz="5400" dirty="0" smtClean="0"/>
+              <a:t>Video of Full Track</a:t>
+            </a:r>
+            <a:endParaRPr lang="en-US" sz="5400" dirty="0"/>
+          </a:p>
+        </p:txBody>
+      </p:sp>
+      <p:sp>
+        <p:nvSpPr>
+          <p:cNvPr id="3" name="Subtitle 2"/>
+          <p:cNvSpPr>
+            <a:spLocks noGrp="1"/>
+          </p:cNvSpPr>
+          <p:nvPr>
+            <p:ph idx="1"/>
+          </p:nvPr>
+        </p:nvSpPr>
+        <p:spPr/>
+        <p:txBody>
+          <a:bodyPr>
+            <a:noAutofit/>
+          </a:bodyPr>
+          <a:lstStyle/>
+          <a:p>
+            <a:endParaRPr lang="en-US" sz="6600" dirty="0"/>
+          </a:p>
+        </p:txBody>
+      </p:sp>
+    </p:spTree>
+    <p:extLst>
+      <p:ext uri="{BB962C8B-B14F-4D97-AF65-F5344CB8AC3E}">
+        <p14:creationId xmlns:p14="http://schemas.microsoft.com/office/powerpoint/2010/main" val="1508080081"/>
+      </p:ext>
+    </p:extLst>
+  </p:cSld>
+  <p:clrMapOvr>
+    <a:masterClrMapping/>
+  </p:clrMapOvr>
+</p:sld>
+</file>
+
+<file path=ppt/slides/slide15.xml><?xml version="1.0" encoding="utf-8"?>
+<p:sld xmlns:a="http://schemas.openxmlformats.org/drawingml/2006/main" xmlns:r="http://schemas.openxmlformats.org/officeDocument/2006/relationships" xmlns:p="http://schemas.openxmlformats.org/presentationml/2006/main">
+  <p:cSld>
+    <p:bg>
+      <p:bgPr>
+        <a:solidFill>
+          <a:srgbClr val="22FF08"/>
+        </a:solidFill>
+        <a:effectLst/>
+      </p:bgPr>
+    </p:bg>
+    <p:spTree>
+      <p:nvGrpSpPr>
+        <p:cNvPr id="1" name=""/>
+        <p:cNvGrpSpPr/>
+        <p:nvPr/>
+      </p:nvGrpSpPr>
+      <p:grpSpPr>
+        <a:xfrm>
+          <a:off x="0" y="0"/>
+          <a:ext cx="0" cy="0"/>
+          <a:chOff x="0" y="0"/>
+          <a:chExt cx="0" cy="0"/>
+        </a:xfrm>
+      </p:grpSpPr>
+      <p:sp>
+        <p:nvSpPr>
+          <p:cNvPr id="2" name="Title 1"/>
+          <p:cNvSpPr>
+            <a:spLocks noGrp="1"/>
+          </p:cNvSpPr>
+          <p:nvPr>
+            <p:ph type="title"/>
+          </p:nvPr>
+        </p:nvSpPr>
+        <p:spPr/>
+        <p:txBody>
+          <a:bodyPr>
+            <a:normAutofit/>
+          </a:bodyPr>
+          <a:lstStyle/>
+          <a:p>
+            <a:r>
+              <a:rPr lang="en-US" sz="5400" dirty="0" smtClean="0"/>
+              <a:t>Tech Used</a:t>
+            </a:r>
+            <a:endParaRPr lang="en-US" sz="5400" dirty="0"/>
+          </a:p>
+        </p:txBody>
+      </p:sp>
+      <p:sp>
+        <p:nvSpPr>
+          <p:cNvPr id="3" name="Subtitle 2"/>
+          <p:cNvSpPr>
+            <a:spLocks noGrp="1"/>
+          </p:cNvSpPr>
+          <p:nvPr>
+            <p:ph idx="1"/>
+          </p:nvPr>
+        </p:nvSpPr>
+        <p:spPr/>
+        <p:txBody>
+          <a:bodyPr>
+            <a:noAutofit/>
+          </a:bodyPr>
+          <a:lstStyle/>
+          <a:p>
+            <a:endParaRPr lang="en-US" sz="6600" dirty="0"/>
+          </a:p>
+        </p:txBody>
+      </p:sp>
+    </p:spTree>
+    <p:extLst>
+      <p:ext uri="{BB962C8B-B14F-4D97-AF65-F5344CB8AC3E}">
+        <p14:creationId xmlns:p14="http://schemas.microsoft.com/office/powerpoint/2010/main" val="263329982"/>
+      </p:ext>
+    </p:extLst>
+  </p:cSld>
+  <p:clrMapOvr>
+    <a:masterClrMapping/>
+  </p:clrMapOvr>
+</p:sld>
+</file>
+
+<file path=ppt/slides/slide16.xml><?xml version="1.0" encoding="utf-8"?>
+<p:sld xmlns:a="http://schemas.openxmlformats.org/drawingml/2006/main" xmlns:r="http://schemas.openxmlformats.org/officeDocument/2006/relationships" xmlns:p="http://schemas.openxmlformats.org/presentationml/2006/main">
+  <p:cSld>
+    <p:bg>
+      <p:bgPr>
+        <a:solidFill>
+          <a:srgbClr val="F8F50A"/>
+        </a:solidFill>
+        <a:effectLst/>
+      </p:bgPr>
+    </p:bg>
+    <p:spTree>
+      <p:nvGrpSpPr>
+        <p:cNvPr id="1" name=""/>
+        <p:cNvGrpSpPr/>
+        <p:nvPr/>
+      </p:nvGrpSpPr>
+      <p:grpSpPr>
+        <a:xfrm>
+          <a:off x="0" y="0"/>
+          <a:ext cx="0" cy="0"/>
+          <a:chOff x="0" y="0"/>
+          <a:chExt cx="0" cy="0"/>
+        </a:xfrm>
+      </p:grpSpPr>
+      <p:sp>
+        <p:nvSpPr>
+          <p:cNvPr id="2" name="Title 1"/>
+          <p:cNvSpPr>
+            <a:spLocks noGrp="1"/>
+          </p:cNvSpPr>
+          <p:nvPr>
+            <p:ph type="title"/>
+          </p:nvPr>
+        </p:nvSpPr>
+        <p:spPr/>
+        <p:txBody>
+          <a:bodyPr>
+            <a:normAutofit/>
+          </a:bodyPr>
+          <a:lstStyle/>
+          <a:p>
+            <a:r>
+              <a:rPr lang="en-US" sz="5400" dirty="0" smtClean="0"/>
+              <a:t>Thank </a:t>
+            </a:r>
+            <a:r>
+              <a:rPr lang="en-US" sz="5400" dirty="0" err="1" smtClean="0"/>
+              <a:t>yous</a:t>
+            </a:r>
+            <a:endParaRPr lang="en-US" sz="5400" dirty="0"/>
+          </a:p>
+        </p:txBody>
+      </p:sp>
+      <p:sp>
+        <p:nvSpPr>
+          <p:cNvPr id="3" name="Subtitle 2"/>
+          <p:cNvSpPr>
+            <a:spLocks noGrp="1"/>
+          </p:cNvSpPr>
+          <p:nvPr>
+            <p:ph idx="1"/>
+          </p:nvPr>
+        </p:nvSpPr>
+        <p:spPr/>
+        <p:txBody>
+          <a:bodyPr>
+            <a:noAutofit/>
+          </a:bodyPr>
+          <a:lstStyle/>
+          <a:p>
+            <a:endParaRPr lang="en-US" sz="6600" dirty="0"/>
+          </a:p>
+        </p:txBody>
+      </p:sp>
+    </p:spTree>
+    <p:extLst>
+      <p:ext uri="{BB962C8B-B14F-4D97-AF65-F5344CB8AC3E}">
+        <p14:creationId xmlns:p14="http://schemas.microsoft.com/office/powerpoint/2010/main" val="2929311647"/>
+      </p:ext>
+    </p:extLst>
+  </p:cSld>
+  <p:clrMapOvr>
+    <a:masterClrMapping/>
+  </p:clrMapOvr>
+</p:sld>
+</file>
+
 <file path=ppt/slides/slide2.xml><?xml version="1.0" encoding="utf-8"?>
 <p:sld xmlns:a="http://schemas.openxmlformats.org/drawingml/2006/main" xmlns:r="http://schemas.openxmlformats.org/officeDocument/2006/relationships" xmlns:p="http://schemas.openxmlformats.org/presentationml/2006/main">
   <p:cSld>
@@ -3226,7 +3849,7 @@
       </p:sp>
       <p:sp>
         <p:nvSpPr>
-          <p:cNvPr id="3" name="Subtitle 2"/>
+          <p:cNvPr id="7" name="Content Placeholder 6"/>
           <p:cNvSpPr>
             <a:spLocks noGrp="1"/>
           </p:cNvSpPr>
@@ -3236,19 +3859,47 @@
         </p:nvSpPr>
         <p:spPr/>
         <p:txBody>
-          <a:bodyPr>
-            <a:noAutofit/>
-          </a:bodyPr>
-          <a:lstStyle/>
-          <a:p>
-            <a:r>
-              <a:rPr lang="en-US" sz="6600" dirty="0" smtClean="0"/>
-              <a:t>Greg, Henry, John, Will</a:t>
-            </a:r>
-            <a:endParaRPr lang="en-US" sz="6600" dirty="0"/>
-          </a:p>
-        </p:txBody>
-      </p:sp>
+          <a:bodyPr/>
+          <a:lstStyle/>
+          <a:p>
+            <a:r>
+              <a:rPr lang="en-US" dirty="0" err="1" smtClean="0"/>
+              <a:t>asdfsa</a:t>
+            </a:r>
+            <a:endParaRPr lang="en-US" dirty="0"/>
+          </a:p>
+        </p:txBody>
+      </p:sp>
+      <p:pic>
+        <p:nvPicPr>
+          <p:cNvPr id="9" name="Picture 8" descr="light_bulb.jpeg"/>
+          <p:cNvPicPr>
+            <a:picLocks noChangeAspect="1"/>
+          </p:cNvPicPr>
+          <p:nvPr/>
+        </p:nvPicPr>
+        <p:blipFill>
+          <a:blip r:embed="rId2">
+            <a:extLst>
+              <a:ext uri="{28A0092B-C50C-407E-A947-70E740481C1C}">
+                <a14:useLocalDpi xmlns:a14="http://schemas.microsoft.com/office/drawing/2010/main" val="0"/>
+              </a:ext>
+            </a:extLst>
+          </a:blip>
+          <a:stretch>
+            <a:fillRect/>
+          </a:stretch>
+        </p:blipFill>
+        <p:spPr>
+          <a:xfrm>
+            <a:off x="0" y="2639200"/>
+            <a:ext cx="3567899" cy="4218799"/>
+          </a:xfrm>
+          <a:prstGeom prst="rect">
+            <a:avLst/>
+          </a:prstGeom>
+        </p:spPr>
+      </p:pic>
     </p:spTree>
     <p:extLst>
       <p:ext uri="{BB962C8B-B14F-4D97-AF65-F5344CB8AC3E}">
@@ -3435,7 +4086,7 @@
           <a:p>
             <a:r>
               <a:rPr lang="en-US" sz="6600" dirty="0" smtClean="0"/>
-              <a:t>Hardware</a:t>
+              <a:t>Tearing shit apart</a:t>
             </a:r>
             <a:endParaRPr lang="en-US" sz="6600" dirty="0"/>
           </a:p>
@@ -3523,7 +4174,7 @@
           <a:p>
             <a:r>
               <a:rPr lang="en-US" sz="6600" dirty="0" smtClean="0"/>
-              <a:t>Talking between three computers</a:t>
+              <a:t>Early theories</a:t>
             </a:r>
             <a:endParaRPr lang="en-US" sz="6600" dirty="0"/>
           </a:p>
@@ -3543,6 +4194,182 @@
 </file>
 
 <file path=ppt/slides/slide6.xml><?xml version="1.0" encoding="utf-8"?>
+<p:sld xmlns:a="http://schemas.openxmlformats.org/drawingml/2006/main" xmlns:r="http://schemas.openxmlformats.org/officeDocument/2006/relationships" xmlns:p="http://schemas.openxmlformats.org/presentationml/2006/main">
+  <p:cSld>
+    <p:bg>
+      <p:bgPr>
+        <a:solidFill>
+          <a:srgbClr val="20FBEE"/>
+        </a:solidFill>
+        <a:effectLst/>
+      </p:bgPr>
+    </p:bg>
+    <p:spTree>
+      <p:nvGrpSpPr>
+        <p:cNvPr id="1" name=""/>
+        <p:cNvGrpSpPr/>
+        <p:nvPr/>
+      </p:nvGrpSpPr>
+      <p:grpSpPr>
+        <a:xfrm>
+          <a:off x="0" y="0"/>
+          <a:ext cx="0" cy="0"/>
+          <a:chOff x="0" y="0"/>
+          <a:chExt cx="0" cy="0"/>
+        </a:xfrm>
+      </p:grpSpPr>
+      <p:sp>
+        <p:nvSpPr>
+          <p:cNvPr id="2" name="Title 1"/>
+          <p:cNvSpPr>
+            <a:spLocks noGrp="1"/>
+          </p:cNvSpPr>
+          <p:nvPr>
+            <p:ph type="title"/>
+          </p:nvPr>
+        </p:nvSpPr>
+        <p:spPr/>
+        <p:txBody>
+          <a:bodyPr>
+            <a:normAutofit/>
+          </a:bodyPr>
+          <a:lstStyle/>
+          <a:p>
+            <a:r>
+              <a:rPr lang="en-US" sz="5400" dirty="0" smtClean="0"/>
+              <a:t>Communication</a:t>
+            </a:r>
+            <a:endParaRPr lang="en-US" sz="5400" dirty="0"/>
+          </a:p>
+        </p:txBody>
+      </p:sp>
+      <p:sp>
+        <p:nvSpPr>
+          <p:cNvPr id="3" name="Subtitle 2"/>
+          <p:cNvSpPr>
+            <a:spLocks noGrp="1"/>
+          </p:cNvSpPr>
+          <p:nvPr>
+            <p:ph idx="1"/>
+          </p:nvPr>
+        </p:nvSpPr>
+        <p:spPr/>
+        <p:txBody>
+          <a:bodyPr>
+            <a:noAutofit/>
+          </a:bodyPr>
+          <a:lstStyle/>
+          <a:p>
+            <a:r>
+              <a:rPr lang="en-US" sz="6600" dirty="0" smtClean="0"/>
+              <a:t>15 minutes until deadline breakthrough</a:t>
+            </a:r>
+            <a:endParaRPr lang="en-US" sz="6600" dirty="0"/>
+          </a:p>
+        </p:txBody>
+      </p:sp>
+    </p:spTree>
+    <p:extLst>
+      <p:ext uri="{BB962C8B-B14F-4D97-AF65-F5344CB8AC3E}">
+        <p14:creationId xmlns:p14="http://schemas.microsoft.com/office/powerpoint/2010/main" val="1749961717"/>
+      </p:ext>
+    </p:extLst>
+  </p:cSld>
+  <p:clrMapOvr>
+    <a:masterClrMapping/>
+  </p:clrMapOvr>
+</p:sld>
+</file>
+
+<file path=ppt/slides/slide7.xml><?xml version="1.0" encoding="utf-8"?>
+<p:sld xmlns:a="http://schemas.openxmlformats.org/drawingml/2006/main" xmlns:r="http://schemas.openxmlformats.org/officeDocument/2006/relationships" xmlns:p="http://schemas.openxmlformats.org/presentationml/2006/main">
+  <p:cSld>
+    <p:bg>
+      <p:bgPr>
+        <a:solidFill>
+          <a:srgbClr val="20FBEE"/>
+        </a:solidFill>
+        <a:effectLst/>
+      </p:bgPr>
+    </p:bg>
+    <p:spTree>
+      <p:nvGrpSpPr>
+        <p:cNvPr id="1" name=""/>
+        <p:cNvGrpSpPr/>
+        <p:nvPr/>
+      </p:nvGrpSpPr>
+      <p:grpSpPr>
+        <a:xfrm>
+          <a:off x="0" y="0"/>
+          <a:ext cx="0" cy="0"/>
+          <a:chOff x="0" y="0"/>
+          <a:chExt cx="0" cy="0"/>
+        </a:xfrm>
+      </p:grpSpPr>
+      <p:sp>
+        <p:nvSpPr>
+          <p:cNvPr id="2" name="Title 1"/>
+          <p:cNvSpPr>
+            <a:spLocks noGrp="1"/>
+          </p:cNvSpPr>
+          <p:nvPr>
+            <p:ph type="title"/>
+          </p:nvPr>
+        </p:nvSpPr>
+        <p:spPr/>
+        <p:txBody>
+          <a:bodyPr>
+            <a:normAutofit/>
+          </a:bodyPr>
+          <a:lstStyle/>
+          <a:p>
+            <a:r>
+              <a:rPr lang="en-US" sz="5400" dirty="0" smtClean="0"/>
+              <a:t>Communication</a:t>
+            </a:r>
+            <a:endParaRPr lang="en-US" sz="5400" dirty="0"/>
+          </a:p>
+        </p:txBody>
+      </p:sp>
+      <p:sp>
+        <p:nvSpPr>
+          <p:cNvPr id="3" name="Subtitle 2"/>
+          <p:cNvSpPr>
+            <a:spLocks noGrp="1"/>
+          </p:cNvSpPr>
+          <p:nvPr>
+            <p:ph idx="1"/>
+          </p:nvPr>
+        </p:nvSpPr>
+        <p:spPr/>
+        <p:txBody>
+          <a:bodyPr>
+            <a:noAutofit/>
+          </a:bodyPr>
+          <a:lstStyle/>
+          <a:p>
+            <a:r>
+              <a:rPr lang="en-US" sz="6600" dirty="0" smtClean="0"/>
+              <a:t>Getting Network set up</a:t>
+            </a:r>
+            <a:endParaRPr lang="en-US" sz="6600" dirty="0"/>
+          </a:p>
+        </p:txBody>
+      </p:sp>
+    </p:spTree>
+    <p:extLst>
+      <p:ext uri="{BB962C8B-B14F-4D97-AF65-F5344CB8AC3E}">
+        <p14:creationId xmlns:p14="http://schemas.microsoft.com/office/powerpoint/2010/main" val="539143304"/>
+      </p:ext>
+    </p:extLst>
+  </p:cSld>
+  <p:clrMapOvr>
+    <a:masterClrMapping/>
+  </p:clrMapOvr>
+</p:sld>
+</file>
+
+<file path=ppt/slides/slide8.xml><?xml version="1.0" encoding="utf-8"?>
 <p:sld xmlns:a="http://schemas.openxmlformats.org/drawingml/2006/main" xmlns:r="http://schemas.openxmlformats.org/officeDocument/2006/relationships" xmlns:p="http://schemas.openxmlformats.org/presentationml/2006/main">
   <p:cSld>
     <p:bg>
@@ -3621,182 +4448,6 @@
     <p:extLst>
       <p:ext uri="{BB962C8B-B14F-4D97-AF65-F5344CB8AC3E}">
         <p14:creationId xmlns:p14="http://schemas.microsoft.com/office/powerpoint/2010/main" val="352037831"/>
-      </p:ext>
-    </p:extLst>
-  </p:cSld>
-  <p:clrMapOvr>
-    <a:masterClrMapping/>
-  </p:clrMapOvr>
-</p:sld>
-</file>
-
-<file path=ppt/slides/slide7.xml><?xml version="1.0" encoding="utf-8"?>
-<p:sld xmlns:a="http://schemas.openxmlformats.org/drawingml/2006/main" xmlns:r="http://schemas.openxmlformats.org/officeDocument/2006/relationships" xmlns:p="http://schemas.openxmlformats.org/presentationml/2006/main">
-  <p:cSld>
-    <p:bg>
-      <p:bgPr>
-        <a:solidFill>
-          <a:srgbClr val="CC00F8"/>
-        </a:solidFill>
-        <a:effectLst/>
-      </p:bgPr>
-    </p:bg>
-    <p:spTree>
-      <p:nvGrpSpPr>
-        <p:cNvPr id="1" name=""/>
-        <p:cNvGrpSpPr/>
-        <p:nvPr/>
-      </p:nvGrpSpPr>
-      <p:grpSpPr>
-        <a:xfrm>
-          <a:off x="0" y="0"/>
-          <a:ext cx="0" cy="0"/>
-          <a:chOff x="0" y="0"/>
-          <a:chExt cx="0" cy="0"/>
-        </a:xfrm>
-      </p:grpSpPr>
-      <p:sp>
-        <p:nvSpPr>
-          <p:cNvPr id="2" name="Title 1"/>
-          <p:cNvSpPr>
-            <a:spLocks noGrp="1"/>
-          </p:cNvSpPr>
-          <p:nvPr>
-            <p:ph type="title"/>
-          </p:nvPr>
-        </p:nvSpPr>
-        <p:spPr/>
-        <p:txBody>
-          <a:bodyPr>
-            <a:normAutofit/>
-          </a:bodyPr>
-          <a:lstStyle/>
-          <a:p>
-            <a:r>
-              <a:rPr lang="en-US" sz="5400" dirty="0" smtClean="0"/>
-              <a:t>Driving Software</a:t>
-            </a:r>
-            <a:endParaRPr lang="en-US" sz="5400" dirty="0"/>
-          </a:p>
-        </p:txBody>
-      </p:sp>
-      <p:sp>
-        <p:nvSpPr>
-          <p:cNvPr id="3" name="Subtitle 2"/>
-          <p:cNvSpPr>
-            <a:spLocks noGrp="1"/>
-          </p:cNvSpPr>
-          <p:nvPr>
-            <p:ph idx="1"/>
-          </p:nvPr>
-        </p:nvSpPr>
-        <p:spPr/>
-        <p:txBody>
-          <a:bodyPr>
-            <a:noAutofit/>
-          </a:bodyPr>
-          <a:lstStyle/>
-          <a:p>
-            <a:endParaRPr lang="en-US" sz="6600" dirty="0"/>
-          </a:p>
-        </p:txBody>
-      </p:sp>
-    </p:spTree>
-    <p:extLst>
-      <p:ext uri="{BB962C8B-B14F-4D97-AF65-F5344CB8AC3E}">
-        <p14:creationId xmlns:p14="http://schemas.microsoft.com/office/powerpoint/2010/main" val="3478162560"/>
-      </p:ext>
-    </p:extLst>
-  </p:cSld>
-  <p:clrMapOvr>
-    <a:masterClrMapping/>
-  </p:clrMapOvr>
-</p:sld>
-</file>
-
-<file path=ppt/slides/slide8.xml><?xml version="1.0" encoding="utf-8"?>
-<p:sld xmlns:a="http://schemas.openxmlformats.org/drawingml/2006/main" xmlns:r="http://schemas.openxmlformats.org/officeDocument/2006/relationships" xmlns:p="http://schemas.openxmlformats.org/presentationml/2006/main">
-  <p:cSld>
-    <p:bg>
-      <p:bgPr>
-        <a:solidFill>
-          <a:srgbClr val="20FBEE"/>
-        </a:solidFill>
-        <a:effectLst/>
-      </p:bgPr>
-    </p:bg>
-    <p:spTree>
-      <p:nvGrpSpPr>
-        <p:cNvPr id="1" name=""/>
-        <p:cNvGrpSpPr/>
-        <p:nvPr/>
-      </p:nvGrpSpPr>
-      <p:grpSpPr>
-        <a:xfrm>
-          <a:off x="0" y="0"/>
-          <a:ext cx="0" cy="0"/>
-          <a:chOff x="0" y="0"/>
-          <a:chExt cx="0" cy="0"/>
-        </a:xfrm>
-      </p:grpSpPr>
-      <p:sp>
-        <p:nvSpPr>
-          <p:cNvPr id="2" name="Title 1"/>
-          <p:cNvSpPr>
-            <a:spLocks noGrp="1"/>
-          </p:cNvSpPr>
-          <p:nvPr>
-            <p:ph type="title"/>
-          </p:nvPr>
-        </p:nvSpPr>
-        <p:spPr/>
-        <p:txBody>
-          <a:bodyPr>
-            <a:normAutofit/>
-          </a:bodyPr>
-          <a:lstStyle/>
-          <a:p>
-            <a:r>
-              <a:rPr lang="en-US" sz="5400" dirty="0" smtClean="0"/>
-              <a:t>Image Recognition</a:t>
-            </a:r>
-            <a:endParaRPr lang="en-US" sz="5400" dirty="0"/>
-          </a:p>
-        </p:txBody>
-      </p:sp>
-      <p:sp>
-        <p:nvSpPr>
-          <p:cNvPr id="3" name="Subtitle 2"/>
-          <p:cNvSpPr>
-            <a:spLocks noGrp="1"/>
-          </p:cNvSpPr>
-          <p:nvPr>
-            <p:ph idx="1"/>
-          </p:nvPr>
-        </p:nvSpPr>
-        <p:spPr/>
-        <p:txBody>
-          <a:bodyPr>
-            <a:noAutofit/>
-          </a:bodyPr>
-          <a:lstStyle/>
-          <a:p>
-            <a:r>
-              <a:rPr lang="en-US" sz="6600" dirty="0" smtClean="0"/>
-              <a:t>Looking </a:t>
-            </a:r>
-            <a:r>
-              <a:rPr lang="en-US" sz="6600" smtClean="0"/>
-              <a:t>for shit</a:t>
-            </a:r>
-            <a:endParaRPr lang="en-US" sz="6600" dirty="0"/>
-          </a:p>
-        </p:txBody>
-      </p:sp>
-    </p:spTree>
-    <p:extLst>
-      <p:ext uri="{BB962C8B-B14F-4D97-AF65-F5344CB8AC3E}">
-        <p14:creationId xmlns:p14="http://schemas.microsoft.com/office/powerpoint/2010/main" val="3959374068"/>
       </p:ext>
     </p:extLst>
   </p:cSld>
@@ -3879,7 +4530,23 @@
           <a:p>
             <a:r>
               <a:rPr lang="en-US" sz="6600" dirty="0" smtClean="0"/>
-              <a:t>Talking</a:t>
+              <a:t>SSH, TCP, SCP </a:t>
+            </a:r>
+            <a:r>
+              <a:rPr lang="mr-IN" sz="6600" dirty="0" smtClean="0"/>
+              <a:t>–</a:t>
+            </a:r>
+            <a:r>
+              <a:rPr lang="en-US" sz="6600" dirty="0" smtClean="0"/>
+              <a:t> </a:t>
+            </a:r>
+            <a:r>
+              <a:rPr lang="en-US" sz="6600" dirty="0" err="1" smtClean="0"/>
+              <a:t>orig</a:t>
+            </a:r>
+            <a:r>
+              <a:rPr lang="en-US" sz="6600" dirty="0" smtClean="0"/>
+              <a:t> and final</a:t>
             </a:r>
             <a:endParaRPr lang="en-US" sz="6600" dirty="0"/>
           </a:p>
